--- a/sprints/pre_thesis.pptx
+++ b/sprints/pre_thesis.pptx
@@ -5,10 +5,10 @@
     <p:sldMasterId id="2147483648" r:id="rId1"/>
   </p:sldMasterIdLst>
   <p:notesMasterIdLst>
-    <p:notesMasterId r:id="rId12"/>
+    <p:notesMasterId r:id="rId13"/>
   </p:notesMasterIdLst>
   <p:handoutMasterIdLst>
-    <p:handoutMasterId r:id="rId13"/>
+    <p:handoutMasterId r:id="rId14"/>
   </p:handoutMasterIdLst>
   <p:sldIdLst>
     <p:sldId id="256" r:id="rId2"/>
@@ -17,10 +17,11 @@
     <p:sldId id="259" r:id="rId5"/>
     <p:sldId id="258" r:id="rId6"/>
     <p:sldId id="261" r:id="rId7"/>
-    <p:sldId id="262" r:id="rId8"/>
-    <p:sldId id="263" r:id="rId9"/>
-    <p:sldId id="264" r:id="rId10"/>
-    <p:sldId id="265" r:id="rId11"/>
+    <p:sldId id="266" r:id="rId8"/>
+    <p:sldId id="262" r:id="rId9"/>
+    <p:sldId id="263" r:id="rId10"/>
+    <p:sldId id="264" r:id="rId11"/>
+    <p:sldId id="265" r:id="rId12"/>
   </p:sldIdLst>
   <p:sldSz cx="12192000" cy="6858000"/>
   <p:notesSz cx="6805613" cy="9944100"/>
@@ -287,7 +288,7 @@
               <a:pPr>
                 <a:defRPr/>
               </a:pPr>
-              <a:t>16-Jan-26</a:t>
+              <a:t>19-Jan-26</a:t>
             </a:fld>
             <a:endParaRPr lang="en-US"/>
           </a:p>
@@ -483,7 +484,7 @@
               <a:pPr>
                 <a:defRPr/>
               </a:pPr>
-              <a:t>16-Jan-26</a:t>
+              <a:t>19-Jan-26</a:t>
             </a:fld>
             <a:endParaRPr lang="en-US"/>
           </a:p>
@@ -3593,7 +3594,7 @@
           <p:cNvPr id="2" name="Title 1">
             <a:extLst>
               <a:ext uri="{FF2B5EF4-FFF2-40B4-BE49-F238E27FC236}">
-                <a16:creationId xmlns:a16="http://schemas.microsoft.com/office/drawing/2014/main" id="{8716FC03-C9AE-F732-1D16-CABCA05039D0}"/>
+                <a16:creationId xmlns:a16="http://schemas.microsoft.com/office/drawing/2014/main" id="{1DCF0C9C-B003-8605-D1DA-144CF04F940A}"/>
               </a:ext>
             </a:extLst>
           </p:cNvPr>
@@ -3604,20 +3605,88 @@
             <p:ph type="title"/>
           </p:nvPr>
         </p:nvSpPr>
-        <p:spPr>
-          <a:xfrm>
-            <a:off x="698802" y="2866628"/>
-            <a:ext cx="10972800" cy="1124744"/>
-          </a:xfrm>
-        </p:spPr>
+        <p:spPr/>
         <p:txBody>
           <a:bodyPr/>
           <a:lstStyle/>
           <a:p>
-            <a:pPr algn="ctr"/>
-            <a:r>
-              <a:rPr lang="en-US" sz="4400" dirty="0"/>
-              <a:t>Thank You!</a:t>
+            <a:r>
+              <a:rPr lang="en-US" dirty="0"/>
+              <a:t>Work Plan Proposal</a:t>
+            </a:r>
+          </a:p>
+        </p:txBody>
+      </p:sp>
+      <p:sp>
+        <p:nvSpPr>
+          <p:cNvPr id="3" name="Content Placeholder 2">
+            <a:extLst>
+              <a:ext uri="{FF2B5EF4-FFF2-40B4-BE49-F238E27FC236}">
+                <a16:creationId xmlns:a16="http://schemas.microsoft.com/office/drawing/2014/main" id="{6850EA03-1027-E2B7-1E16-F6790E3362B6}"/>
+              </a:ext>
+            </a:extLst>
+          </p:cNvPr>
+          <p:cNvSpPr>
+            <a:spLocks noGrp="1"/>
+          </p:cNvSpPr>
+          <p:nvPr>
+            <p:ph idx="1"/>
+          </p:nvPr>
+        </p:nvSpPr>
+        <p:spPr/>
+        <p:txBody>
+          <a:bodyPr/>
+          <a:lstStyle/>
+          <a:p>
+            <a:r>
+              <a:rPr lang="en-US" dirty="0"/>
+              <a:t>Phase 1: Phishing Detection Model Development</a:t>
+            </a:r>
+          </a:p>
+          <a:p>
+            <a:pPr lvl="1"/>
+            <a:r>
+              <a:rPr lang="en-US" dirty="0"/>
+              <a:t>Model selection, training and evaluation</a:t>
+            </a:r>
+          </a:p>
+          <a:p>
+            <a:pPr lvl="1"/>
+            <a:r>
+              <a:rPr lang="en-US" dirty="0"/>
+              <a:t>Parameter optimization</a:t>
+            </a:r>
+          </a:p>
+          <a:p>
+            <a:r>
+              <a:rPr lang="en-US" dirty="0"/>
+              <a:t>Phase 2: Sentiment Analysis Model Development</a:t>
+            </a:r>
+          </a:p>
+          <a:p>
+            <a:pPr lvl="1"/>
+            <a:r>
+              <a:rPr lang="en-US" dirty="0"/>
+              <a:t>Capable of identifying emotions with high scoring metrics</a:t>
+            </a:r>
+          </a:p>
+          <a:p>
+            <a:r>
+              <a:rPr lang="en-US" dirty="0"/>
+              <a:t>Phase 3: Web Application Development</a:t>
+            </a:r>
+          </a:p>
+          <a:p>
+            <a:pPr lvl="1"/>
+            <a:r>
+              <a:rPr lang="en-US" dirty="0"/>
+              <a:t>Develop RESTful API that integrates models</a:t>
+            </a:r>
+          </a:p>
+          <a:p>
+            <a:r>
+              <a:rPr lang="en-US" dirty="0"/>
+              <a:t>Phase 4: Review and Quality Assurance</a:t>
             </a:r>
           </a:p>
         </p:txBody>
@@ -3627,7 +3696,7 @@
           <p:cNvPr id="4" name="Slide Number Placeholder 3">
             <a:extLst>
               <a:ext uri="{FF2B5EF4-FFF2-40B4-BE49-F238E27FC236}">
-                <a16:creationId xmlns:a16="http://schemas.microsoft.com/office/drawing/2014/main" id="{A05D465A-DF38-2EA7-AF7C-CCEBC7A63301}"/>
+                <a16:creationId xmlns:a16="http://schemas.microsoft.com/office/drawing/2014/main" id="{936BE715-020A-5BD5-829A-B3797630387A}"/>
               </a:ext>
             </a:extLst>
           </p:cNvPr>
@@ -3652,6 +3721,136 @@
                 <a:defRPr/>
               </a:pPr>
               <a:t>10</a:t>
+            </a:fld>
+            <a:endParaRPr lang="en-US" dirty="0"/>
+          </a:p>
+        </p:txBody>
+      </p:sp>
+      <p:sp>
+        <p:nvSpPr>
+          <p:cNvPr id="5" name="Footer Placeholder 4">
+            <a:extLst>
+              <a:ext uri="{FF2B5EF4-FFF2-40B4-BE49-F238E27FC236}">
+                <a16:creationId xmlns:a16="http://schemas.microsoft.com/office/drawing/2014/main" id="{2E23EBC8-055F-F140-5189-7457E62B56C1}"/>
+              </a:ext>
+            </a:extLst>
+          </p:cNvPr>
+          <p:cNvSpPr>
+            <a:spLocks noGrp="1"/>
+          </p:cNvSpPr>
+          <p:nvPr>
+            <p:ph type="ftr" sz="quarter" idx="11"/>
+          </p:nvPr>
+        </p:nvSpPr>
+        <p:spPr/>
+        <p:txBody>
+          <a:bodyPr/>
+          <a:lstStyle/>
+          <a:p>
+            <a:pPr>
+              <a:defRPr/>
+            </a:pPr>
+            <a:r>
+              <a:rPr lang="en-US"/>
+              <a:t>DETI / MEI / PDE / 2025-26</a:t>
+            </a:r>
+          </a:p>
+        </p:txBody>
+      </p:sp>
+    </p:spTree>
+    <p:extLst>
+      <p:ext uri="{BB962C8B-B14F-4D97-AF65-F5344CB8AC3E}">
+        <p14:creationId xmlns:p14="http://schemas.microsoft.com/office/powerpoint/2010/main" val="3326178713"/>
+      </p:ext>
+    </p:extLst>
+  </p:cSld>
+  <p:clrMapOvr>
+    <a:masterClrMapping/>
+  </p:clrMapOvr>
+</p:sld>
+</file>
+
+<file path=ppt/slides/slide11.xml><?xml version="1.0" encoding="utf-8"?>
+<p:sld xmlns:a="http://schemas.openxmlformats.org/drawingml/2006/main" xmlns:r="http://schemas.openxmlformats.org/officeDocument/2006/relationships" xmlns:p="http://schemas.openxmlformats.org/presentationml/2006/main">
+  <p:cSld>
+    <p:spTree>
+      <p:nvGrpSpPr>
+        <p:cNvPr id="1" name=""/>
+        <p:cNvGrpSpPr/>
+        <p:nvPr/>
+      </p:nvGrpSpPr>
+      <p:grpSpPr>
+        <a:xfrm>
+          <a:off x="0" y="0"/>
+          <a:ext cx="0" cy="0"/>
+          <a:chOff x="0" y="0"/>
+          <a:chExt cx="0" cy="0"/>
+        </a:xfrm>
+      </p:grpSpPr>
+      <p:sp>
+        <p:nvSpPr>
+          <p:cNvPr id="2" name="Title 1">
+            <a:extLst>
+              <a:ext uri="{FF2B5EF4-FFF2-40B4-BE49-F238E27FC236}">
+                <a16:creationId xmlns:a16="http://schemas.microsoft.com/office/drawing/2014/main" id="{8716FC03-C9AE-F732-1D16-CABCA05039D0}"/>
+              </a:ext>
+            </a:extLst>
+          </p:cNvPr>
+          <p:cNvSpPr>
+            <a:spLocks noGrp="1"/>
+          </p:cNvSpPr>
+          <p:nvPr>
+            <p:ph type="title"/>
+          </p:nvPr>
+        </p:nvSpPr>
+        <p:spPr>
+          <a:xfrm>
+            <a:off x="698802" y="2866628"/>
+            <a:ext cx="10972800" cy="1124744"/>
+          </a:xfrm>
+        </p:spPr>
+        <p:txBody>
+          <a:bodyPr/>
+          <a:lstStyle/>
+          <a:p>
+            <a:pPr algn="ctr"/>
+            <a:r>
+              <a:rPr lang="en-US" sz="4400" dirty="0"/>
+              <a:t>Thank You!</a:t>
+            </a:r>
+          </a:p>
+        </p:txBody>
+      </p:sp>
+      <p:sp>
+        <p:nvSpPr>
+          <p:cNvPr id="4" name="Slide Number Placeholder 3">
+            <a:extLst>
+              <a:ext uri="{FF2B5EF4-FFF2-40B4-BE49-F238E27FC236}">
+                <a16:creationId xmlns:a16="http://schemas.microsoft.com/office/drawing/2014/main" id="{A05D465A-DF38-2EA7-AF7C-CCEBC7A63301}"/>
+              </a:ext>
+            </a:extLst>
+          </p:cNvPr>
+          <p:cNvSpPr>
+            <a:spLocks noGrp="1"/>
+          </p:cNvSpPr>
+          <p:nvPr>
+            <p:ph type="sldNum" sz="quarter" idx="10"/>
+          </p:nvPr>
+        </p:nvSpPr>
+        <p:spPr/>
+        <p:txBody>
+          <a:bodyPr/>
+          <a:lstStyle/>
+          <a:p>
+            <a:pPr>
+              <a:defRPr/>
+            </a:pPr>
+            <a:fld id="{EF60A818-680D-8044-B769-B122DF9C5B6D}" type="slidenum">
+              <a:rPr lang="en-US" smtClean="0"/>
+              <a:pPr>
+                <a:defRPr/>
+              </a:pPr>
+              <a:t>11</a:t>
             </a:fld>
             <a:endParaRPr lang="en-US" dirty="0"/>
           </a:p>
@@ -3812,7 +4011,7 @@
           <a:lstStyle/>
           <a:p>
             <a:r>
-              <a:rPr lang="en-GB" sz="2800" dirty="0"/>
+              <a:rPr lang="en-GB" dirty="0"/>
               <a:t>Motivation</a:t>
             </a:r>
           </a:p>
@@ -3852,79 +4051,50 @@
             </a:r>
           </a:p>
           <a:p>
+            <a:r>
+              <a:rPr lang="en-US" dirty="0"/>
+              <a:t>Escalating Email Security Threats:</a:t>
+            </a:r>
+          </a:p>
+          <a:p>
             <a:pPr lvl="1"/>
             <a:r>
-              <a:rPr lang="en-GB" dirty="0"/>
-              <a:t>Central to </a:t>
-            </a:r>
-            <a:r>
-              <a:rPr lang="en-US" dirty="0"/>
-              <a:t>business operations, and online authentication</a:t>
-            </a:r>
-            <a:endParaRPr lang="en-GB" dirty="0"/>
-          </a:p>
-          <a:p>
-            <a:r>
-              <a:rPr lang="en-US" dirty="0"/>
-              <a:t>Escalating Email Security Threats:</a:t>
+              <a:rPr lang="en-US" dirty="0"/>
+              <a:t>Attacks lead to data breaches and financial losses</a:t>
+            </a:r>
+          </a:p>
+          <a:p>
+            <a:r>
+              <a:rPr lang="en-US" dirty="0"/>
+              <a:t>Increased Sophistication of Attacks:</a:t>
             </a:r>
           </a:p>
           <a:p>
             <a:pPr lvl="1"/>
             <a:r>
               <a:rPr lang="en-US" dirty="0"/>
-              <a:t>Phishing remains a prevalent attack vector</a:t>
+              <a:t>Employs usage of social engineering, paired with AI generation</a:t>
             </a:r>
           </a:p>
           <a:p>
             <a:pPr lvl="1"/>
             <a:r>
               <a:rPr lang="en-US" dirty="0"/>
-              <a:t>Attacks lead to data breaches and financial losses</a:t>
-            </a:r>
-          </a:p>
-          <a:p>
-            <a:r>
-              <a:rPr lang="en-US" dirty="0"/>
-              <a:t>Increased Sophistication of Attacks:</a:t>
+              <a:t>Emotional manipulation disregards technical prowess</a:t>
+            </a:r>
+          </a:p>
+          <a:p>
+            <a:r>
+              <a:rPr lang="en-US" dirty="0"/>
+              <a:t>Novel Defense Approach:</a:t>
             </a:r>
           </a:p>
           <a:p>
             <a:pPr lvl="1"/>
             <a:r>
               <a:rPr lang="en-US" dirty="0"/>
-              <a:t>Employs usage of social engineering, paired with AI generation</a:t>
-            </a:r>
-          </a:p>
-          <a:p>
-            <a:pPr lvl="1"/>
-            <a:r>
-              <a:rPr lang="en-US" dirty="0"/>
-              <a:t>Emotional manipulation disregards technical prowess</a:t>
-            </a:r>
-          </a:p>
-          <a:p>
-            <a:r>
-              <a:rPr lang="en-US" dirty="0"/>
-              <a:t>Novel Defense Approach:</a:t>
-            </a:r>
-          </a:p>
-          <a:p>
-            <a:pPr lvl="1"/>
-            <a:r>
-              <a:rPr lang="en-US" dirty="0"/>
               <a:t>Leverage emotion detection as a defense mechanism</a:t>
             </a:r>
-          </a:p>
-          <a:p>
-            <a:pPr lvl="1"/>
-            <a:r>
-              <a:rPr lang="en-US" dirty="0"/>
-              <a:t>Apply NLP and Machine Learning</a:t>
-            </a:r>
-          </a:p>
-          <a:p>
-            <a:pPr lvl="1"/>
             <a:endParaRPr lang="en-GB" dirty="0"/>
           </a:p>
           <a:p>
@@ -4110,19 +4280,6 @@
             <a:r>
               <a:rPr lang="en-US" dirty="0"/>
               <a:t>Deep Learning and Transformer Models</a:t>
-            </a:r>
-          </a:p>
-          <a:p>
-            <a:r>
-              <a:rPr lang="en-US" dirty="0"/>
-              <a:t>Trend Towards Multi-Modal Detection:</a:t>
-            </a:r>
-          </a:p>
-          <a:p>
-            <a:pPr lvl="1"/>
-            <a:r>
-              <a:rPr lang="en-US" dirty="0"/>
-              <a:t>Integration of multiple email features, such as headers, in the detection</a:t>
             </a:r>
           </a:p>
           <a:p>
@@ -4287,7 +4444,7 @@
           <a:lstStyle/>
           <a:p>
             <a:r>
-              <a:rPr lang="en-GB" sz="2800" dirty="0"/>
+              <a:rPr lang="en-GB" dirty="0"/>
               <a:t>Research Gap</a:t>
             </a:r>
           </a:p>
@@ -4493,7 +4650,7 @@
           <a:lstStyle/>
           <a:p>
             <a:r>
-              <a:rPr lang="en-GB" sz="2800" dirty="0"/>
+              <a:rPr lang="en-GB" dirty="0"/>
               <a:t>Dataset Requirements</a:t>
             </a:r>
           </a:p>
@@ -4551,13 +4708,6 @@
             <a:r>
               <a:rPr lang="en-US" dirty="0"/>
               <a:t>Fine-grained emotional annotations</a:t>
-            </a:r>
-          </a:p>
-          <a:p>
-            <a:pPr lvl="1"/>
-            <a:r>
-              <a:rPr lang="en-US" dirty="0"/>
-              <a:t>Realistic phishing language and structure</a:t>
             </a:r>
           </a:p>
           <a:p>
@@ -4744,15 +4894,7 @@
             <a:pPr lvl="1"/>
             <a:r>
               <a:rPr lang="en-US" dirty="0"/>
-              <a:t>Use pre-existing curated dataset with 480 </a:t>
-            </a:r>
-            <a:r>
-              <a:rPr lang="en-US" dirty="0" err="1"/>
-              <a:t>entires</a:t>
-            </a:r>
-            <a:r>
-              <a:rPr lang="en-US" dirty="0"/>
-              <a:t> as baseline</a:t>
+              <a:t>Use pre-existing curated dataset with 480 entries as baseline</a:t>
             </a:r>
           </a:p>
           <a:p>
@@ -4763,39 +4905,24 @@
             </a:r>
           </a:p>
           <a:p>
+            <a:r>
+              <a:rPr lang="en-US" dirty="0"/>
+              <a:t>Post-Processing:</a:t>
+            </a:r>
+          </a:p>
+          <a:p>
             <a:pPr lvl="1"/>
             <a:r>
               <a:rPr lang="en-US" dirty="0"/>
-              <a:t>Annotate dataset manually with human annotations</a:t>
+              <a:t>Remove any generated text not part of the email</a:t>
             </a:r>
           </a:p>
           <a:p>
             <a:pPr lvl="1"/>
-            <a:endParaRPr lang="en-US" dirty="0"/>
-          </a:p>
-          <a:p>
-            <a:r>
-              <a:rPr lang="en-US" dirty="0"/>
-              <a:t>Post-Processing:</a:t>
-            </a:r>
-          </a:p>
-          <a:p>
-            <a:pPr lvl="1"/>
-            <a:r>
-              <a:rPr lang="en-US" dirty="0"/>
-              <a:t>Remove any generated text not part of the email</a:t>
-            </a:r>
-          </a:p>
-          <a:p>
-            <a:pPr lvl="1"/>
             <a:r>
               <a:rPr lang="en-US" dirty="0"/>
               <a:t>Replace placeholders with fake generic information</a:t>
             </a:r>
-          </a:p>
-          <a:p>
-            <a:pPr lvl="1"/>
-            <a:endParaRPr lang="en-US" dirty="0"/>
           </a:p>
           <a:p>
             <a:r>
@@ -4920,7 +5047,7 @@
           <p:cNvPr id="2" name="Title 1">
             <a:extLst>
               <a:ext uri="{FF2B5EF4-FFF2-40B4-BE49-F238E27FC236}">
-                <a16:creationId xmlns:a16="http://schemas.microsoft.com/office/drawing/2014/main" id="{80785EB4-054C-51CE-8161-1AD06AD1BFE7}"/>
+                <a16:creationId xmlns:a16="http://schemas.microsoft.com/office/drawing/2014/main" id="{A4A9D0E7-A7CC-FACB-8E1D-BC71B67C5EBC}"/>
               </a:ext>
             </a:extLst>
           </p:cNvPr>
@@ -4938,114 +5065,52 @@
           <a:p>
             <a:r>
               <a:rPr lang="en-US" dirty="0"/>
-              <a:t>Dataset Annotation</a:t>
-            </a:r>
-          </a:p>
-        </p:txBody>
-      </p:sp>
-      <p:sp>
-        <p:nvSpPr>
-          <p:cNvPr id="3" name="Content Placeholder 2">
+              <a:t>Prompt Example</a:t>
+            </a:r>
+          </a:p>
+        </p:txBody>
+      </p:sp>
+      <p:pic>
+        <p:nvPicPr>
+          <p:cNvPr id="7" name="Content Placeholder 6">
             <a:extLst>
               <a:ext uri="{FF2B5EF4-FFF2-40B4-BE49-F238E27FC236}">
-                <a16:creationId xmlns:a16="http://schemas.microsoft.com/office/drawing/2014/main" id="{8D1DD433-00D8-5B0A-0495-C8FBDB940D63}"/>
+                <a16:creationId xmlns:a16="http://schemas.microsoft.com/office/drawing/2014/main" id="{35706CA6-CD68-BD50-C100-E80C4313AF88}"/>
               </a:ext>
             </a:extLst>
           </p:cNvPr>
-          <p:cNvSpPr>
-            <a:spLocks noGrp="1"/>
-          </p:cNvSpPr>
+          <p:cNvPicPr>
+            <a:picLocks noGrp="1" noChangeAspect="1"/>
+          </p:cNvPicPr>
           <p:nvPr>
             <p:ph idx="1"/>
           </p:nvPr>
-        </p:nvSpPr>
-        <p:spPr/>
-        <p:txBody>
-          <a:bodyPr/>
-          <a:lstStyle/>
-          <a:p>
-            <a:r>
-              <a:rPr lang="en-US" b="1" dirty="0"/>
-              <a:t>Objective</a:t>
-            </a:r>
-            <a:r>
-              <a:rPr lang="en-US" dirty="0"/>
-              <a:t>: Create Fully Annotated Dataset</a:t>
-            </a:r>
-          </a:p>
-          <a:p>
-            <a:pPr lvl="1"/>
-            <a:r>
-              <a:rPr lang="en-US" dirty="0"/>
-              <a:t>Each entry can have more than one </a:t>
-            </a:r>
-            <a:r>
-              <a:rPr lang="en-US" dirty="0" err="1"/>
-              <a:t>labe</a:t>
-            </a:r>
-            <a:endParaRPr lang="en-US" dirty="0"/>
-          </a:p>
-          <a:p>
-            <a:pPr lvl="1"/>
-            <a:r>
-              <a:rPr lang="en-US" dirty="0"/>
-              <a:t>Increases label diversity and training robustness</a:t>
-            </a:r>
-          </a:p>
-          <a:p>
-            <a:r>
-              <a:rPr lang="en-US" dirty="0"/>
-              <a:t>Emotion labels derived from existing literature</a:t>
-            </a:r>
-          </a:p>
-          <a:p>
-            <a:r>
-              <a:rPr lang="en-US" dirty="0"/>
-              <a:t>Annotation Procedure:</a:t>
-            </a:r>
-          </a:p>
-          <a:p>
-            <a:pPr lvl="1"/>
-            <a:r>
-              <a:rPr lang="en-US" dirty="0"/>
-              <a:t>Emails are reviewed individually</a:t>
-            </a:r>
-          </a:p>
-          <a:p>
-            <a:pPr lvl="1"/>
-            <a:r>
-              <a:rPr lang="en-US" dirty="0"/>
-              <a:t>Annotator chooses one or more emotions present in the email</a:t>
-            </a:r>
-          </a:p>
-          <a:p>
-            <a:r>
-              <a:rPr lang="en-US" dirty="0"/>
-              <a:t>Quality Assurance:</a:t>
-            </a:r>
-          </a:p>
-          <a:p>
-            <a:pPr lvl="1"/>
-            <a:r>
-              <a:rPr lang="en-US" dirty="0"/>
-              <a:t>Guidelines created to ensure consistency between annotators</a:t>
-            </a:r>
-          </a:p>
-          <a:p>
-            <a:pPr lvl="1"/>
-            <a:r>
-              <a:rPr lang="en-US" dirty="0"/>
-              <a:t>“UNSURE” label prevents ambiguous labeling</a:t>
-            </a:r>
-          </a:p>
-        </p:txBody>
-      </p:sp>
+        </p:nvPicPr>
+        <p:blipFill>
+          <a:blip r:embed="rId2">
+            <a:extLst>
+              <a:ext uri="{28A0092B-C50C-407E-A947-70E740481C1C}">
+                <a14:useLocalDpi xmlns:a14="http://schemas.microsoft.com/office/drawing/2010/main" val="0"/>
+              </a:ext>
+            </a:extLst>
+          </a:blip>
+          <a:stretch>
+            <a:fillRect/>
+          </a:stretch>
+        </p:blipFill>
+        <p:spPr>
+          <a:xfrm>
+            <a:off x="679121" y="1554805"/>
+            <a:ext cx="10833757" cy="3748389"/>
+          </a:xfrm>
+        </p:spPr>
+      </p:pic>
       <p:sp>
         <p:nvSpPr>
           <p:cNvPr id="4" name="Slide Number Placeholder 3">
             <a:extLst>
               <a:ext uri="{FF2B5EF4-FFF2-40B4-BE49-F238E27FC236}">
-                <a16:creationId xmlns:a16="http://schemas.microsoft.com/office/drawing/2014/main" id="{A3F8070B-06A3-10BF-C4A7-582919C43A88}"/>
+                <a16:creationId xmlns:a16="http://schemas.microsoft.com/office/drawing/2014/main" id="{B6292D9D-A091-47BB-097D-AF80FC57FE2E}"/>
               </a:ext>
             </a:extLst>
           </p:cNvPr>
@@ -5080,7 +5145,7 @@
           <p:cNvPr id="5" name="Footer Placeholder 4">
             <a:extLst>
               <a:ext uri="{FF2B5EF4-FFF2-40B4-BE49-F238E27FC236}">
-                <a16:creationId xmlns:a16="http://schemas.microsoft.com/office/drawing/2014/main" id="{E5A3DE33-A99F-247C-DE3F-DFB0D378830A}"/>
+                <a16:creationId xmlns:a16="http://schemas.microsoft.com/office/drawing/2014/main" id="{0241FAF5-A4D9-4B95-264E-AFE09D2C01CC}"/>
               </a:ext>
             </a:extLst>
           </p:cNvPr>
@@ -5109,7 +5174,7 @@
     </p:spTree>
     <p:extLst>
       <p:ext uri="{BB962C8B-B14F-4D97-AF65-F5344CB8AC3E}">
-        <p14:creationId xmlns:p14="http://schemas.microsoft.com/office/powerpoint/2010/main" val="665928654"/>
+        <p14:creationId xmlns:p14="http://schemas.microsoft.com/office/powerpoint/2010/main" val="1488443682"/>
       </p:ext>
     </p:extLst>
   </p:cSld>
@@ -5141,7 +5206,7 @@
           <p:cNvPr id="2" name="Title 1">
             <a:extLst>
               <a:ext uri="{FF2B5EF4-FFF2-40B4-BE49-F238E27FC236}">
-                <a16:creationId xmlns:a16="http://schemas.microsoft.com/office/drawing/2014/main" id="{8BBA2E01-B1FB-8462-CB42-56830D2C2DE9}"/>
+                <a16:creationId xmlns:a16="http://schemas.microsoft.com/office/drawing/2014/main" id="{80785EB4-054C-51CE-8161-1AD06AD1BFE7}"/>
               </a:ext>
             </a:extLst>
           </p:cNvPr>
@@ -5159,7 +5224,7 @@
           <a:p>
             <a:r>
               <a:rPr lang="en-US" dirty="0"/>
-              <a:t>Preliminary Results</a:t>
+              <a:t>Dataset Annotation</a:t>
             </a:r>
           </a:p>
         </p:txBody>
@@ -5169,7 +5234,7 @@
           <p:cNvPr id="3" name="Content Placeholder 2">
             <a:extLst>
               <a:ext uri="{FF2B5EF4-FFF2-40B4-BE49-F238E27FC236}">
-                <a16:creationId xmlns:a16="http://schemas.microsoft.com/office/drawing/2014/main" id="{AFE958A1-392F-1138-545B-FC110CE7B316}"/>
+                <a16:creationId xmlns:a16="http://schemas.microsoft.com/office/drawing/2014/main" id="{8D1DD433-00D8-5B0A-0495-C8FBDB940D63}"/>
               </a:ext>
             </a:extLst>
           </p:cNvPr>
@@ -5186,28 +5251,67 @@
           <a:lstStyle/>
           <a:p>
             <a:r>
-              <a:rPr lang="en-US" dirty="0"/>
-              <a:t>Dataset Creation Process Completed</a:t>
-            </a:r>
-          </a:p>
-          <a:p>
-            <a:r>
-              <a:rPr lang="en-US" dirty="0"/>
-              <a:t>Annotation Process Underway:</a:t>
+              <a:rPr lang="en-US" b="1" dirty="0"/>
+              <a:t>Objective</a:t>
+            </a:r>
+            <a:r>
+              <a:rPr lang="en-US" dirty="0"/>
+              <a:t>: Create Fully Annotated Dataset</a:t>
             </a:r>
           </a:p>
           <a:p>
             <a:pPr lvl="1"/>
             <a:r>
               <a:rPr lang="en-US" dirty="0"/>
-              <a:t>1843 entries annotated so far</a:t>
-            </a:r>
-          </a:p>
-          <a:p>
-            <a:endParaRPr lang="en-US" dirty="0"/>
-          </a:p>
-          <a:p>
-            <a:endParaRPr lang="en-US" dirty="0"/>
+              <a:t>Each entry can have more than one label</a:t>
+            </a:r>
+          </a:p>
+          <a:p>
+            <a:pPr lvl="1"/>
+            <a:r>
+              <a:rPr lang="en-US" dirty="0"/>
+              <a:t>Emotion labels derived from existing literature</a:t>
+            </a:r>
+          </a:p>
+          <a:p>
+            <a:r>
+              <a:rPr lang="en-US" dirty="0"/>
+              <a:t>Annotation Procedure:</a:t>
+            </a:r>
+          </a:p>
+          <a:p>
+            <a:pPr lvl="1"/>
+            <a:r>
+              <a:rPr lang="en-US" dirty="0"/>
+              <a:t>Emails are reviewed individually</a:t>
+            </a:r>
+          </a:p>
+          <a:p>
+            <a:pPr lvl="1"/>
+            <a:r>
+              <a:rPr lang="en-US" dirty="0"/>
+              <a:t>Annotator chooses one or more emotions present in the email</a:t>
+            </a:r>
+          </a:p>
+          <a:p>
+            <a:r>
+              <a:rPr lang="en-US" dirty="0"/>
+              <a:t>Quality Assurance:</a:t>
+            </a:r>
+          </a:p>
+          <a:p>
+            <a:pPr lvl="1"/>
+            <a:r>
+              <a:rPr lang="en-US" dirty="0"/>
+              <a:t>Guidelines created to ensure consistency between annotators</a:t>
+            </a:r>
+          </a:p>
+          <a:p>
+            <a:pPr lvl="1"/>
+            <a:r>
+              <a:rPr lang="en-US" dirty="0"/>
+              <a:t>“UNSURE” label prevents ambiguous labeling</a:t>
+            </a:r>
           </a:p>
         </p:txBody>
       </p:sp>
@@ -5216,7 +5320,7 @@
           <p:cNvPr id="4" name="Slide Number Placeholder 3">
             <a:extLst>
               <a:ext uri="{FF2B5EF4-FFF2-40B4-BE49-F238E27FC236}">
-                <a16:creationId xmlns:a16="http://schemas.microsoft.com/office/drawing/2014/main" id="{D63026F1-FFA9-8F29-4684-D87B6403D598}"/>
+                <a16:creationId xmlns:a16="http://schemas.microsoft.com/office/drawing/2014/main" id="{A3F8070B-06A3-10BF-C4A7-582919C43A88}"/>
               </a:ext>
             </a:extLst>
           </p:cNvPr>
@@ -5241,6 +5345,177 @@
                 <a:defRPr/>
               </a:pPr>
               <a:t>8</a:t>
+            </a:fld>
+            <a:endParaRPr lang="en-US" dirty="0"/>
+          </a:p>
+        </p:txBody>
+      </p:sp>
+      <p:sp>
+        <p:nvSpPr>
+          <p:cNvPr id="5" name="Footer Placeholder 4">
+            <a:extLst>
+              <a:ext uri="{FF2B5EF4-FFF2-40B4-BE49-F238E27FC236}">
+                <a16:creationId xmlns:a16="http://schemas.microsoft.com/office/drawing/2014/main" id="{E5A3DE33-A99F-247C-DE3F-DFB0D378830A}"/>
+              </a:ext>
+            </a:extLst>
+          </p:cNvPr>
+          <p:cNvSpPr>
+            <a:spLocks noGrp="1"/>
+          </p:cNvSpPr>
+          <p:nvPr>
+            <p:ph type="ftr" sz="quarter" idx="11"/>
+          </p:nvPr>
+        </p:nvSpPr>
+        <p:spPr/>
+        <p:txBody>
+          <a:bodyPr/>
+          <a:lstStyle/>
+          <a:p>
+            <a:pPr>
+              <a:defRPr/>
+            </a:pPr>
+            <a:r>
+              <a:rPr lang="en-US"/>
+              <a:t>DETI / MEI / PDE / 2025-26</a:t>
+            </a:r>
+          </a:p>
+        </p:txBody>
+      </p:sp>
+    </p:spTree>
+    <p:extLst>
+      <p:ext uri="{BB962C8B-B14F-4D97-AF65-F5344CB8AC3E}">
+        <p14:creationId xmlns:p14="http://schemas.microsoft.com/office/powerpoint/2010/main" val="665928654"/>
+      </p:ext>
+    </p:extLst>
+  </p:cSld>
+  <p:clrMapOvr>
+    <a:masterClrMapping/>
+  </p:clrMapOvr>
+</p:sld>
+</file>
+
+<file path=ppt/slides/slide9.xml><?xml version="1.0" encoding="utf-8"?>
+<p:sld xmlns:a="http://schemas.openxmlformats.org/drawingml/2006/main" xmlns:r="http://schemas.openxmlformats.org/officeDocument/2006/relationships" xmlns:p="http://schemas.openxmlformats.org/presentationml/2006/main">
+  <p:cSld>
+    <p:spTree>
+      <p:nvGrpSpPr>
+        <p:cNvPr id="1" name=""/>
+        <p:cNvGrpSpPr/>
+        <p:nvPr/>
+      </p:nvGrpSpPr>
+      <p:grpSpPr>
+        <a:xfrm>
+          <a:off x="0" y="0"/>
+          <a:ext cx="0" cy="0"/>
+          <a:chOff x="0" y="0"/>
+          <a:chExt cx="0" cy="0"/>
+        </a:xfrm>
+      </p:grpSpPr>
+      <p:sp>
+        <p:nvSpPr>
+          <p:cNvPr id="2" name="Title 1">
+            <a:extLst>
+              <a:ext uri="{FF2B5EF4-FFF2-40B4-BE49-F238E27FC236}">
+                <a16:creationId xmlns:a16="http://schemas.microsoft.com/office/drawing/2014/main" id="{8BBA2E01-B1FB-8462-CB42-56830D2C2DE9}"/>
+              </a:ext>
+            </a:extLst>
+          </p:cNvPr>
+          <p:cNvSpPr>
+            <a:spLocks noGrp="1"/>
+          </p:cNvSpPr>
+          <p:nvPr>
+            <p:ph type="title"/>
+          </p:nvPr>
+        </p:nvSpPr>
+        <p:spPr/>
+        <p:txBody>
+          <a:bodyPr/>
+          <a:lstStyle/>
+          <a:p>
+            <a:r>
+              <a:rPr lang="en-US" dirty="0"/>
+              <a:t>Preliminary Results</a:t>
+            </a:r>
+          </a:p>
+        </p:txBody>
+      </p:sp>
+      <p:sp>
+        <p:nvSpPr>
+          <p:cNvPr id="3" name="Content Placeholder 2">
+            <a:extLst>
+              <a:ext uri="{FF2B5EF4-FFF2-40B4-BE49-F238E27FC236}">
+                <a16:creationId xmlns:a16="http://schemas.microsoft.com/office/drawing/2014/main" id="{AFE958A1-392F-1138-545B-FC110CE7B316}"/>
+              </a:ext>
+            </a:extLst>
+          </p:cNvPr>
+          <p:cNvSpPr>
+            <a:spLocks noGrp="1"/>
+          </p:cNvSpPr>
+          <p:nvPr>
+            <p:ph idx="1"/>
+          </p:nvPr>
+        </p:nvSpPr>
+        <p:spPr/>
+        <p:txBody>
+          <a:bodyPr/>
+          <a:lstStyle/>
+          <a:p>
+            <a:r>
+              <a:rPr lang="en-US" dirty="0"/>
+              <a:t>Dataset Creation Process Completed</a:t>
+            </a:r>
+          </a:p>
+          <a:p>
+            <a:r>
+              <a:rPr lang="en-US" dirty="0"/>
+              <a:t>Annotation Process Underway:</a:t>
+            </a:r>
+          </a:p>
+          <a:p>
+            <a:pPr lvl="1"/>
+            <a:r>
+              <a:rPr lang="en-US" dirty="0"/>
+              <a:t>1843 entries annotated so far</a:t>
+            </a:r>
+          </a:p>
+          <a:p>
+            <a:endParaRPr lang="en-US" dirty="0"/>
+          </a:p>
+          <a:p>
+            <a:endParaRPr lang="en-US" dirty="0"/>
+          </a:p>
+        </p:txBody>
+      </p:sp>
+      <p:sp>
+        <p:nvSpPr>
+          <p:cNvPr id="4" name="Slide Number Placeholder 3">
+            <a:extLst>
+              <a:ext uri="{FF2B5EF4-FFF2-40B4-BE49-F238E27FC236}">
+                <a16:creationId xmlns:a16="http://schemas.microsoft.com/office/drawing/2014/main" id="{D63026F1-FFA9-8F29-4684-D87B6403D598}"/>
+              </a:ext>
+            </a:extLst>
+          </p:cNvPr>
+          <p:cNvSpPr>
+            <a:spLocks noGrp="1"/>
+          </p:cNvSpPr>
+          <p:nvPr>
+            <p:ph type="sldNum" sz="quarter" idx="10"/>
+          </p:nvPr>
+        </p:nvSpPr>
+        <p:spPr/>
+        <p:txBody>
+          <a:bodyPr/>
+          <a:lstStyle/>
+          <a:p>
+            <a:pPr>
+              <a:defRPr/>
+            </a:pPr>
+            <a:fld id="{EF60A818-680D-8044-B769-B122DF9C5B6D}" type="slidenum">
+              <a:rPr lang="en-US" smtClean="0"/>
+              <a:pPr>
+                <a:defRPr/>
+              </a:pPr>
+              <a:t>9</a:t>
             </a:fld>
             <a:endParaRPr lang="en-US" dirty="0"/>
           </a:p>
@@ -5311,236 +5586,6 @@
     <p:extLst>
       <p:ext uri="{BB962C8B-B14F-4D97-AF65-F5344CB8AC3E}">
         <p14:creationId xmlns:p14="http://schemas.microsoft.com/office/powerpoint/2010/main" val="961909035"/>
-      </p:ext>
-    </p:extLst>
-  </p:cSld>
-  <p:clrMapOvr>
-    <a:masterClrMapping/>
-  </p:clrMapOvr>
-</p:sld>
-</file>
-
-<file path=ppt/slides/slide9.xml><?xml version="1.0" encoding="utf-8"?>
-<p:sld xmlns:a="http://schemas.openxmlformats.org/drawingml/2006/main" xmlns:r="http://schemas.openxmlformats.org/officeDocument/2006/relationships" xmlns:p="http://schemas.openxmlformats.org/presentationml/2006/main">
-  <p:cSld>
-    <p:spTree>
-      <p:nvGrpSpPr>
-        <p:cNvPr id="1" name=""/>
-        <p:cNvGrpSpPr/>
-        <p:nvPr/>
-      </p:nvGrpSpPr>
-      <p:grpSpPr>
-        <a:xfrm>
-          <a:off x="0" y="0"/>
-          <a:ext cx="0" cy="0"/>
-          <a:chOff x="0" y="0"/>
-          <a:chExt cx="0" cy="0"/>
-        </a:xfrm>
-      </p:grpSpPr>
-      <p:sp>
-        <p:nvSpPr>
-          <p:cNvPr id="2" name="Title 1">
-            <a:extLst>
-              <a:ext uri="{FF2B5EF4-FFF2-40B4-BE49-F238E27FC236}">
-                <a16:creationId xmlns:a16="http://schemas.microsoft.com/office/drawing/2014/main" id="{1DCF0C9C-B003-8605-D1DA-144CF04F940A}"/>
-              </a:ext>
-            </a:extLst>
-          </p:cNvPr>
-          <p:cNvSpPr>
-            <a:spLocks noGrp="1"/>
-          </p:cNvSpPr>
-          <p:nvPr>
-            <p:ph type="title"/>
-          </p:nvPr>
-        </p:nvSpPr>
-        <p:spPr/>
-        <p:txBody>
-          <a:bodyPr/>
-          <a:lstStyle/>
-          <a:p>
-            <a:r>
-              <a:rPr lang="en-US" dirty="0"/>
-              <a:t>Work Plan Proposal</a:t>
-            </a:r>
-          </a:p>
-        </p:txBody>
-      </p:sp>
-      <p:sp>
-        <p:nvSpPr>
-          <p:cNvPr id="3" name="Content Placeholder 2">
-            <a:extLst>
-              <a:ext uri="{FF2B5EF4-FFF2-40B4-BE49-F238E27FC236}">
-                <a16:creationId xmlns:a16="http://schemas.microsoft.com/office/drawing/2014/main" id="{6850EA03-1027-E2B7-1E16-F6790E3362B6}"/>
-              </a:ext>
-            </a:extLst>
-          </p:cNvPr>
-          <p:cNvSpPr>
-            <a:spLocks noGrp="1"/>
-          </p:cNvSpPr>
-          <p:nvPr>
-            <p:ph idx="1"/>
-          </p:nvPr>
-        </p:nvSpPr>
-        <p:spPr/>
-        <p:txBody>
-          <a:bodyPr/>
-          <a:lstStyle/>
-          <a:p>
-            <a:r>
-              <a:rPr lang="en-US" dirty="0"/>
-              <a:t>Phase 1: Phishing Detection Model Development</a:t>
-            </a:r>
-          </a:p>
-          <a:p>
-            <a:pPr lvl="1"/>
-            <a:r>
-              <a:rPr lang="en-US" dirty="0"/>
-              <a:t>Model selection, training and evaluation</a:t>
-            </a:r>
-          </a:p>
-          <a:p>
-            <a:pPr lvl="1"/>
-            <a:r>
-              <a:rPr lang="en-US" dirty="0"/>
-              <a:t>Parameter optimization</a:t>
-            </a:r>
-          </a:p>
-          <a:p>
-            <a:r>
-              <a:rPr lang="en-US" dirty="0"/>
-              <a:t>Phase 2: Sentiment Analysis Model Development</a:t>
-            </a:r>
-          </a:p>
-          <a:p>
-            <a:pPr lvl="1"/>
-            <a:r>
-              <a:rPr lang="en-US" dirty="0"/>
-              <a:t>Capable of identifying emotions with high scoring metrics</a:t>
-            </a:r>
-          </a:p>
-          <a:p>
-            <a:pPr lvl="1"/>
-            <a:r>
-              <a:rPr lang="en-US" dirty="0"/>
-              <a:t>Integration with phishing model</a:t>
-            </a:r>
-          </a:p>
-          <a:p>
-            <a:r>
-              <a:rPr lang="en-US" dirty="0"/>
-              <a:t>Phase 3: Web Application Development</a:t>
-            </a:r>
-          </a:p>
-          <a:p>
-            <a:pPr lvl="1"/>
-            <a:r>
-              <a:rPr lang="en-US" dirty="0"/>
-              <a:t>Develop RESTful API that integrates models</a:t>
-            </a:r>
-          </a:p>
-          <a:p>
-            <a:pPr lvl="1"/>
-            <a:r>
-              <a:rPr lang="en-US" dirty="0"/>
-              <a:t>Design frontend for user ease-of-use</a:t>
-            </a:r>
-          </a:p>
-          <a:p>
-            <a:r>
-              <a:rPr lang="en-US" dirty="0"/>
-              <a:t>Phase 4: Review and Quality Assurance</a:t>
-            </a:r>
-          </a:p>
-          <a:p>
-            <a:pPr lvl="1"/>
-            <a:r>
-              <a:rPr lang="en-US" dirty="0"/>
-              <a:t>Assure system is tested end-to-end</a:t>
-            </a:r>
-          </a:p>
-          <a:p>
-            <a:pPr lvl="1"/>
-            <a:r>
-              <a:rPr lang="en-US" dirty="0"/>
-              <a:t>Review documentation and code aiming for high quality</a:t>
-            </a:r>
-          </a:p>
-          <a:p>
-            <a:pPr lvl="1"/>
-            <a:endParaRPr lang="en-US" dirty="0"/>
-          </a:p>
-        </p:txBody>
-      </p:sp>
-      <p:sp>
-        <p:nvSpPr>
-          <p:cNvPr id="4" name="Slide Number Placeholder 3">
-            <a:extLst>
-              <a:ext uri="{FF2B5EF4-FFF2-40B4-BE49-F238E27FC236}">
-                <a16:creationId xmlns:a16="http://schemas.microsoft.com/office/drawing/2014/main" id="{936BE715-020A-5BD5-829A-B3797630387A}"/>
-              </a:ext>
-            </a:extLst>
-          </p:cNvPr>
-          <p:cNvSpPr>
-            <a:spLocks noGrp="1"/>
-          </p:cNvSpPr>
-          <p:nvPr>
-            <p:ph type="sldNum" sz="quarter" idx="10"/>
-          </p:nvPr>
-        </p:nvSpPr>
-        <p:spPr/>
-        <p:txBody>
-          <a:bodyPr/>
-          <a:lstStyle/>
-          <a:p>
-            <a:pPr>
-              <a:defRPr/>
-            </a:pPr>
-            <a:fld id="{EF60A818-680D-8044-B769-B122DF9C5B6D}" type="slidenum">
-              <a:rPr lang="en-US" smtClean="0"/>
-              <a:pPr>
-                <a:defRPr/>
-              </a:pPr>
-              <a:t>9</a:t>
-            </a:fld>
-            <a:endParaRPr lang="en-US" dirty="0"/>
-          </a:p>
-        </p:txBody>
-      </p:sp>
-      <p:sp>
-        <p:nvSpPr>
-          <p:cNvPr id="5" name="Footer Placeholder 4">
-            <a:extLst>
-              <a:ext uri="{FF2B5EF4-FFF2-40B4-BE49-F238E27FC236}">
-                <a16:creationId xmlns:a16="http://schemas.microsoft.com/office/drawing/2014/main" id="{2E23EBC8-055F-F140-5189-7457E62B56C1}"/>
-              </a:ext>
-            </a:extLst>
-          </p:cNvPr>
-          <p:cNvSpPr>
-            <a:spLocks noGrp="1"/>
-          </p:cNvSpPr>
-          <p:nvPr>
-            <p:ph type="ftr" sz="quarter" idx="11"/>
-          </p:nvPr>
-        </p:nvSpPr>
-        <p:spPr/>
-        <p:txBody>
-          <a:bodyPr/>
-          <a:lstStyle/>
-          <a:p>
-            <a:pPr>
-              <a:defRPr/>
-            </a:pPr>
-            <a:r>
-              <a:rPr lang="en-US"/>
-              <a:t>DETI / MEI / PDE / 2025-26</a:t>
-            </a:r>
-          </a:p>
-        </p:txBody>
-      </p:sp>
-    </p:spTree>
-    <p:extLst>
-      <p:ext uri="{BB962C8B-B14F-4D97-AF65-F5344CB8AC3E}">
-        <p14:creationId xmlns:p14="http://schemas.microsoft.com/office/powerpoint/2010/main" val="3326178713"/>
       </p:ext>
     </p:extLst>
   </p:cSld>
